--- a/Reference_Implementation/Documents/Plan_2025.pptx
+++ b/Reference_Implementation/Documents/Plan_2025.pptx
@@ -113,7 +113,7 @@
   <p:extLst>
     <p:ext uri="{EFAFB233-063F-42B5-8137-9DF3F51BA10A}">
       <p15:sldGuideLst xmlns:p15="http://schemas.microsoft.com/office/powerpoint/2012/main">
-        <p15:guide id="1" orient="horz" pos="2310" userDrawn="1">
+        <p15:guide id="1" orient="horz" pos="2344" userDrawn="1">
           <p15:clr>
             <a:srgbClr val="A4A3A4"/>
           </p15:clr>
@@ -3496,7 +3496,7 @@
         </p:nvSpPr>
         <p:spPr>
           <a:xfrm>
-            <a:off x="4123690" y="1393825"/>
+            <a:off x="4123690" y="1198880"/>
             <a:ext cx="3312160" cy="1741805"/>
           </a:xfrm>
           <a:prstGeom prst="roundRect">
@@ -3683,7 +3683,7 @@
         </p:nvSpPr>
         <p:spPr>
           <a:xfrm>
-            <a:off x="4431665" y="1709420"/>
+            <a:off x="4431665" y="1514475"/>
             <a:ext cx="1785620" cy="1050925"/>
           </a:xfrm>
           <a:prstGeom prst="roundRect">
@@ -3850,9 +3850,9 @@
           </a:solidFill>
           <a:ln w="3175">
             <a:solidFill>
-              <a:schemeClr val="tx1">
-                <a:lumMod val="65000"/>
-                <a:lumOff val="35000"/>
+              <a:schemeClr val="accent2">
+                <a:lumMod val="60000"/>
+                <a:lumOff val="40000"/>
               </a:schemeClr>
             </a:solidFill>
           </a:ln>
@@ -4255,7 +4255,7 @@
         </p:blipFill>
         <p:spPr>
           <a:xfrm>
-            <a:off x="4602480" y="2003425"/>
+            <a:off x="4602480" y="1808480"/>
             <a:ext cx="284480" cy="258445"/>
           </a:xfrm>
           <a:prstGeom prst="rect">
@@ -4283,7 +4283,7 @@
         </p:blipFill>
         <p:spPr>
           <a:xfrm>
-            <a:off x="5226050" y="2324735"/>
+            <a:off x="5226050" y="2129790"/>
             <a:ext cx="401320" cy="344805"/>
           </a:xfrm>
           <a:prstGeom prst="rect">
@@ -4446,8 +4446,9 @@
           </a:prstGeom>
           <a:ln w="25400">
             <a:solidFill>
-              <a:schemeClr val="bg1">
-                <a:lumMod val="65000"/>
+              <a:schemeClr val="accent2">
+                <a:lumMod val="60000"/>
+                <a:lumOff val="40000"/>
               </a:schemeClr>
             </a:solidFill>
             <a:headEnd type="triangle" w="med" len="lg"/>
@@ -4477,7 +4478,7 @@
         </p:nvGrpSpPr>
         <p:grpSpPr>
           <a:xfrm>
-            <a:off x="4601845" y="2370455"/>
+            <a:off x="4601845" y="2175510"/>
             <a:ext cx="447675" cy="234315"/>
             <a:chOff x="7397" y="3536"/>
             <a:chExt cx="1395" cy="723"/>
@@ -4595,7 +4596,7 @@
         </p:nvSpPr>
         <p:spPr>
           <a:xfrm>
-            <a:off x="4888230" y="2026920"/>
+            <a:off x="4888230" y="1831975"/>
             <a:ext cx="1153795" cy="269240"/>
           </a:xfrm>
           <a:prstGeom prst="rect">
@@ -4649,7 +4650,7 @@
         </p:nvSpPr>
         <p:spPr>
           <a:xfrm>
-            <a:off x="4318000" y="2825750"/>
+            <a:off x="4318000" y="2630805"/>
             <a:ext cx="2018030" cy="245110"/>
           </a:xfrm>
           <a:prstGeom prst="rect">
@@ -4665,9 +4666,8 @@
             <a:r>
               <a:rPr lang="en-US" altLang="zh-CN" sz="1000">
                 <a:solidFill>
-                  <a:schemeClr val="tx1">
-                    <a:lumMod val="50000"/>
-                    <a:lumOff val="50000"/>
+                  <a:schemeClr val="bg1">
+                    <a:lumMod val="65000"/>
                   </a:schemeClr>
                 </a:solidFill>
                 <a:latin typeface="Courier New" panose="02070309020205020404" charset="0"/>
@@ -4679,9 +4679,8 @@
             <a:r>
               <a:rPr lang="zh-CN" altLang="en-US" sz="1000">
                 <a:solidFill>
-                  <a:schemeClr val="tx1">
-                    <a:lumMod val="50000"/>
-                    <a:lumOff val="50000"/>
+                  <a:schemeClr val="bg1">
+                    <a:lumMod val="65000"/>
                   </a:schemeClr>
                 </a:solidFill>
                 <a:latin typeface="Courier New" panose="02070309020205020404" charset="0"/>
@@ -4693,9 +4692,8 @@
             <a:r>
               <a:rPr lang="en-US" altLang="zh-CN" sz="1000">
                 <a:solidFill>
-                  <a:schemeClr val="tx1">
-                    <a:lumMod val="50000"/>
-                    <a:lumOff val="50000"/>
+                  <a:schemeClr val="bg1">
+                    <a:lumMod val="65000"/>
                   </a:schemeClr>
                 </a:solidFill>
                 <a:latin typeface="Courier New" panose="02070309020205020404" charset="0"/>
@@ -4707,9 +4705,8 @@
             <a:r>
               <a:rPr lang="zh-CN" altLang="en-US" sz="1000">
                 <a:solidFill>
-                  <a:schemeClr val="tx1">
-                    <a:lumMod val="50000"/>
-                    <a:lumOff val="50000"/>
+                  <a:schemeClr val="bg1">
+                    <a:lumMod val="65000"/>
                   </a:schemeClr>
                 </a:solidFill>
                 <a:latin typeface="Courier New" panose="02070309020205020404" charset="0"/>
@@ -4721,9 +4718,8 @@
             <a:r>
               <a:rPr lang="en-US" altLang="zh-CN" sz="1000">
                 <a:solidFill>
-                  <a:schemeClr val="tx1">
-                    <a:lumMod val="50000"/>
-                    <a:lumOff val="50000"/>
+                  <a:schemeClr val="bg1">
+                    <a:lumMod val="65000"/>
                   </a:schemeClr>
                 </a:solidFill>
                 <a:latin typeface="Courier New" panose="02070309020205020404" charset="0"/>
@@ -4735,9 +4731,8 @@
             <a:r>
               <a:rPr lang="zh-CN" altLang="en-US" sz="1000">
                 <a:solidFill>
-                  <a:schemeClr val="tx1">
-                    <a:lumMod val="50000"/>
-                    <a:lumOff val="50000"/>
+                  <a:schemeClr val="bg1">
+                    <a:lumMod val="65000"/>
                   </a:schemeClr>
                 </a:solidFill>
                 <a:latin typeface="Courier New" panose="02070309020205020404" charset="0"/>
@@ -4748,9 +4743,8 @@
             </a:r>
             <a:endParaRPr lang="zh-CN" altLang="en-US" sz="1000">
               <a:solidFill>
-                <a:schemeClr val="tx1">
-                  <a:lumMod val="50000"/>
-                  <a:lumOff val="50000"/>
+                <a:schemeClr val="bg1">
+                  <a:lumMod val="65000"/>
                 </a:schemeClr>
               </a:solidFill>
               <a:latin typeface="Courier New" panose="02070309020205020404" charset="0"/>
@@ -4784,6 +4778,20 @@
           <a:prstGeom prst="rect">
             <a:avLst/>
           </a:prstGeom>
+          <a:solidFill>
+            <a:schemeClr val="accent2">
+              <a:lumMod val="60000"/>
+              <a:lumOff val="40000"/>
+            </a:schemeClr>
+          </a:solidFill>
+          <a:ln w="6350">
+            <a:solidFill>
+              <a:schemeClr val="accent2">
+                <a:lumMod val="60000"/>
+                <a:lumOff val="40000"/>
+              </a:schemeClr>
+            </a:solidFill>
+          </a:ln>
         </p:spPr>
       </p:pic>
       <p:pic>
@@ -4814,6 +4822,14 @@
           <a:prstGeom prst="rect">
             <a:avLst/>
           </a:prstGeom>
+          <a:ln w="6350">
+            <a:solidFill>
+              <a:schemeClr val="accent2">
+                <a:lumMod val="60000"/>
+                <a:lumOff val="40000"/>
+              </a:schemeClr>
+            </a:solidFill>
+          </a:ln>
         </p:spPr>
       </p:pic>
       <p:pic>
@@ -4861,7 +4877,7 @@
         </p:blipFill>
         <p:spPr>
           <a:xfrm rot="5400000">
-            <a:off x="6555740" y="2366010"/>
+            <a:off x="6555740" y="2171065"/>
             <a:ext cx="594995" cy="647700"/>
           </a:xfrm>
           <a:prstGeom prst="rect">
@@ -4885,8 +4901,8 @@
         </p:nvCxnSpPr>
         <p:spPr>
           <a:xfrm flipH="1">
-            <a:off x="6927215" y="3005455"/>
-            <a:ext cx="247650" cy="254635"/>
+            <a:off x="6907530" y="2820670"/>
+            <a:ext cx="271145" cy="430530"/>
           </a:xfrm>
           <a:prstGeom prst="line">
             <a:avLst/>
@@ -4894,8 +4910,8 @@
           <a:ln w="12700">
             <a:solidFill>
               <a:schemeClr val="tx1">
-                <a:lumMod val="65000"/>
-                <a:lumOff val="35000"/>
+                <a:lumMod val="50000"/>
+                <a:lumOff val="50000"/>
               </a:schemeClr>
             </a:solidFill>
             <a:prstDash val="sysDash"/>
@@ -4928,8 +4944,8 @@
         </p:nvCxnSpPr>
         <p:spPr>
           <a:xfrm flipH="1" flipV="1">
-            <a:off x="6529705" y="2999105"/>
-            <a:ext cx="230505" cy="247015"/>
+            <a:off x="6534150" y="2830195"/>
+            <a:ext cx="271145" cy="415290"/>
           </a:xfrm>
           <a:prstGeom prst="line">
             <a:avLst/>
@@ -5087,7 +5103,7 @@
         </p:nvSpPr>
         <p:spPr>
           <a:xfrm>
-            <a:off x="4602480" y="1394460"/>
+            <a:off x="4602480" y="1199515"/>
             <a:ext cx="1200785" cy="275590"/>
           </a:xfrm>
           <a:prstGeom prst="rect">
@@ -5108,7 +5124,9 @@
             <a:r>
               <a:rPr lang="en-US" altLang="en-GB" sz="1000">
                 <a:solidFill>
-                  <a:schemeClr val="tx1"/>
+                  <a:schemeClr val="bg1">
+                    <a:lumMod val="65000"/>
+                  </a:schemeClr>
                 </a:solidFill>
                 <a:latin typeface="Courier New" panose="02070309020205020404" charset="0"/>
                 <a:cs typeface="Courier New" panose="02070309020205020404" charset="0"/>
@@ -5118,9 +5136,8 @@
             </a:r>
             <a:endParaRPr lang="en-US" altLang="en-GB" sz="1000">
               <a:solidFill>
-                <a:schemeClr val="tx1">
-                  <a:lumMod val="50000"/>
-                  <a:lumOff val="50000"/>
+                <a:schemeClr val="bg1">
+                  <a:lumMod val="65000"/>
                 </a:schemeClr>
               </a:solidFill>
               <a:latin typeface="Courier New" panose="02070309020205020404" charset="0"/>
@@ -5167,7 +5184,7 @@
         </p:blipFill>
         <p:spPr>
           <a:xfrm>
-            <a:off x="5745480" y="2410460"/>
+            <a:off x="5745480" y="2215515"/>
             <a:ext cx="296545" cy="170180"/>
           </a:xfrm>
           <a:prstGeom prst="rect">
@@ -5192,7 +5209,7 @@
         </p:blipFill>
         <p:spPr>
           <a:xfrm>
-            <a:off x="6655435" y="2680970"/>
+            <a:off x="6655435" y="2486025"/>
             <a:ext cx="408051" cy="61341"/>
           </a:xfrm>
           <a:prstGeom prst="rect">
@@ -5275,8 +5292,9 @@
           </a:solidFill>
           <a:ln w="12700">
             <a:solidFill>
-              <a:schemeClr val="accent2">
-                <a:lumMod val="75000"/>
+              <a:schemeClr val="tx1">
+                <a:lumMod val="50000"/>
+                <a:lumOff val="50000"/>
               </a:schemeClr>
             </a:solidFill>
           </a:ln>
@@ -5515,7 +5533,7 @@
         </p:nvSpPr>
         <p:spPr>
           <a:xfrm>
-            <a:off x="6715125" y="1906270"/>
+            <a:off x="6848475" y="1660525"/>
             <a:ext cx="276225" cy="267335"/>
           </a:xfrm>
           <a:prstGeom prst="ellipse">
@@ -5591,7 +5609,7 @@
           <a:solidFill>
             <a:srgbClr val="FFFAE9"/>
           </a:solidFill>
-          <a:ln w="3175">
+          <a:ln w="6350">
             <a:solidFill>
               <a:schemeClr val="accent2">
                 <a:lumMod val="75000"/>
@@ -5651,7 +5669,7 @@
         </p:nvSpPr>
         <p:spPr>
           <a:xfrm>
-            <a:off x="6253480" y="1469390"/>
+            <a:off x="6253480" y="1274445"/>
             <a:ext cx="276225" cy="267335"/>
           </a:xfrm>
           <a:prstGeom prst="ellipse">
@@ -5727,8 +5745,8 @@
           <a:noFill/>
           <a:ln w="3175">
             <a:solidFill>
-              <a:schemeClr val="accent2">
-                <a:lumMod val="75000"/>
+              <a:schemeClr val="bg1">
+                <a:lumMod val="85000"/>
               </a:schemeClr>
             </a:solidFill>
           </a:ln>
@@ -5760,7 +5778,9 @@
             <a:r>
               <a:rPr lang="en-US" altLang="zh-CN" sz="1600" b="1">
                 <a:solidFill>
-                  <a:schemeClr val="tx1"/>
+                  <a:schemeClr val="bg1">
+                    <a:lumMod val="75000"/>
+                  </a:schemeClr>
                 </a:solidFill>
                 <a:latin typeface="Courier New" panose="02070309020205020404" charset="0"/>
                 <a:cs typeface="Courier New" panose="02070309020205020404" charset="0"/>
@@ -5769,7 +5789,9 @@
             </a:r>
             <a:endParaRPr lang="en-US" altLang="zh-CN" sz="1600" b="1">
               <a:solidFill>
-                <a:schemeClr val="tx1"/>
+                <a:schemeClr val="bg1">
+                  <a:lumMod val="75000"/>
+                </a:schemeClr>
               </a:solidFill>
               <a:latin typeface="Courier New" panose="02070309020205020404" charset="0"/>
               <a:cs typeface="Courier New" panose="02070309020205020404" charset="0"/>
@@ -5792,7 +5814,7 @@
             <a:avLst/>
           </a:prstGeom>
           <a:noFill/>
-          <a:ln w="3175">
+          <a:ln w="6350">
             <a:solidFill>
               <a:schemeClr val="accent2">
                 <a:lumMod val="75000"/>
@@ -5853,7 +5875,7 @@
         <p:spPr>
           <a:xfrm>
             <a:off x="8936355" y="1992630"/>
-            <a:ext cx="1025525" cy="737235"/>
+            <a:ext cx="1025525" cy="645160"/>
           </a:xfrm>
           <a:prstGeom prst="rect">
             <a:avLst/>
@@ -5871,7 +5893,7 @@
               <a:buFontTx/>
             </a:pPr>
             <a:r>
-              <a:rPr lang="zh-CN" altLang="en-US" sz="1400" b="1">
+              <a:rPr lang="zh-CN" altLang="en-US" sz="1200" b="1">
                 <a:solidFill>
                   <a:srgbClr val="0070C0"/>
                 </a:solidFill>
@@ -5881,18 +5903,22 @@
               <a:t>V</a:t>
             </a:r>
             <a:r>
-              <a:rPr lang="zh-CN" altLang="en-US" sz="1400">
+              <a:rPr lang="zh-CN" altLang="en-US" sz="1200">
                 <a:solidFill>
-                  <a:schemeClr val="tx1"/>
+                  <a:schemeClr val="bg1">
+                    <a:lumMod val="65000"/>
+                  </a:schemeClr>
                 </a:solidFill>
                 <a:latin typeface="Courier New" panose="02070309020205020404" charset="0"/>
                 <a:cs typeface="Courier New" panose="02070309020205020404" charset="0"/>
               </a:rPr>
               <a:t>irtual</a:t>
             </a:r>
-            <a:endParaRPr lang="zh-CN" altLang="en-US" sz="1400">
+            <a:endParaRPr lang="zh-CN" altLang="en-US" sz="1200">
               <a:solidFill>
-                <a:schemeClr val="tx1"/>
+                <a:schemeClr val="bg1">
+                  <a:lumMod val="65000"/>
+                </a:schemeClr>
               </a:solidFill>
               <a:latin typeface="Courier New" panose="02070309020205020404" charset="0"/>
               <a:cs typeface="Courier New" panose="02070309020205020404" charset="0"/>
@@ -5905,7 +5931,7 @@
               <a:buFontTx/>
             </a:pPr>
             <a:r>
-              <a:rPr lang="zh-CN" altLang="en-US" sz="1400" b="1">
+              <a:rPr lang="zh-CN" altLang="en-US" sz="1200" b="1">
                 <a:solidFill>
                   <a:srgbClr val="0070C0"/>
                 </a:solidFill>
@@ -5915,18 +5941,22 @@
               <a:t>P</a:t>
             </a:r>
             <a:r>
-              <a:rPr lang="zh-CN" altLang="en-US" sz="1400">
+              <a:rPr lang="zh-CN" altLang="en-US" sz="1200">
                 <a:solidFill>
-                  <a:schemeClr val="tx1"/>
+                  <a:schemeClr val="bg1">
+                    <a:lumMod val="65000"/>
+                  </a:schemeClr>
                 </a:solidFill>
                 <a:latin typeface="Courier New" panose="02070309020205020404" charset="0"/>
                 <a:cs typeface="Courier New" panose="02070309020205020404" charset="0"/>
               </a:rPr>
               <a:t>ower</a:t>
             </a:r>
-            <a:endParaRPr lang="zh-CN" altLang="en-US" sz="1400">
+            <a:endParaRPr lang="zh-CN" altLang="en-US" sz="1200">
               <a:solidFill>
-                <a:schemeClr val="tx1"/>
+                <a:schemeClr val="bg1">
+                  <a:lumMod val="65000"/>
+                </a:schemeClr>
               </a:solidFill>
               <a:latin typeface="Courier New" panose="02070309020205020404" charset="0"/>
               <a:cs typeface="Courier New" panose="02070309020205020404" charset="0"/>
@@ -5939,7 +5969,7 @@
               <a:buFontTx/>
             </a:pPr>
             <a:r>
-              <a:rPr lang="zh-CN" altLang="en-US" sz="1400" b="1">
+              <a:rPr lang="zh-CN" altLang="en-US" sz="1200" b="1">
                 <a:solidFill>
                   <a:srgbClr val="0070C0"/>
                 </a:solidFill>
@@ -5949,18 +5979,22 @@
               <a:t>P</a:t>
             </a:r>
             <a:r>
-              <a:rPr lang="zh-CN" altLang="en-US" sz="1400">
+              <a:rPr lang="zh-CN" altLang="en-US" sz="1200">
                 <a:solidFill>
-                  <a:schemeClr val="tx1"/>
+                  <a:schemeClr val="bg1">
+                    <a:lumMod val="65000"/>
+                  </a:schemeClr>
                 </a:solidFill>
                 <a:latin typeface="Courier New" panose="02070309020205020404" charset="0"/>
                 <a:cs typeface="Courier New" panose="02070309020205020404" charset="0"/>
               </a:rPr>
               <a:t>lant</a:t>
             </a:r>
-            <a:endParaRPr lang="zh-CN" altLang="en-US" sz="1400">
+            <a:endParaRPr lang="zh-CN" altLang="en-US" sz="1200">
               <a:solidFill>
-                <a:schemeClr val="tx1"/>
+                <a:schemeClr val="bg1">
+                  <a:lumMod val="65000"/>
+                </a:schemeClr>
               </a:solidFill>
               <a:latin typeface="Courier New" panose="02070309020205020404" charset="0"/>
               <a:cs typeface="Courier New" panose="02070309020205020404" charset="0"/>
@@ -6019,8 +6053,8 @@
         </p:nvSpPr>
         <p:spPr>
           <a:xfrm>
-            <a:off x="6579870" y="2173605"/>
-            <a:ext cx="650240" cy="245110"/>
+            <a:off x="6602730" y="1930400"/>
+            <a:ext cx="650240" cy="275590"/>
           </a:xfrm>
           <a:prstGeom prst="rect">
             <a:avLst/>
@@ -6033,7 +6067,7 @@
           </a:bodyPr>
           <a:p>
             <a:r>
-              <a:rPr lang="en-US" sz="1000" b="1">
+              <a:rPr lang="en-US" sz="1200" b="1">
                 <a:solidFill>
                   <a:srgbClr val="0070C0"/>
                 </a:solidFill>
@@ -6043,7 +6077,7 @@
               </a:rPr>
               <a:t>Panel</a:t>
             </a:r>
-            <a:endParaRPr lang="en-US" sz="1000" b="1">
+            <a:endParaRPr lang="en-US" sz="1200" b="1">
               <a:solidFill>
                 <a:srgbClr val="0070C0"/>
               </a:solidFill>
@@ -6062,7 +6096,7 @@
         </p:nvSpPr>
         <p:spPr>
           <a:xfrm>
-            <a:off x="4318000" y="1014095"/>
+            <a:off x="4318000" y="819150"/>
             <a:ext cx="2976245" cy="306705"/>
           </a:xfrm>
           <a:prstGeom prst="rect">
@@ -6109,7 +6143,7 @@
               <a:t>- Model I</a:t>
             </a:r>
             <a:r>
-              <a:rPr lang="en-US" sz="1000" b="1">
+              <a:rPr lang="zh-CN" altLang="en-US" sz="1000">
                 <a:solidFill>
                   <a:srgbClr val="0070C0"/>
                 </a:solidFill>
@@ -6117,10 +6151,10 @@
                 <a:cs typeface="Courier New" panose="02070309020205020404" charset="0"/>
                 <a:sym typeface="+mn-ea"/>
               </a:rPr>
-              <a:t> </a:t>
-            </a:r>
-            <a:r>
-              <a:rPr lang="en-US" sz="1000">
+              <a:t>：</a:t>
+            </a:r>
+            <a:r>
+              <a:rPr lang="en-US" sz="1200">
                 <a:solidFill>
                   <a:srgbClr val="0070C0"/>
                 </a:solidFill>
@@ -6128,9 +6162,9 @@
                 <a:cs typeface="Courier New" panose="02070309020205020404" charset="0"/>
                 <a:sym typeface="+mn-ea"/>
               </a:rPr>
-              <a:t>(Smart Panel)</a:t>
-            </a:r>
-            <a:endParaRPr lang="en-US" sz="1000">
+              <a:t>Smart Panel</a:t>
+            </a:r>
+            <a:endParaRPr lang="en-US" sz="1200">
               <a:solidFill>
                 <a:srgbClr val="0070C0"/>
               </a:solidFill>
@@ -6153,7 +6187,7 @@
         </p:nvCxnSpPr>
         <p:spPr>
           <a:xfrm flipV="1">
-            <a:off x="6018530" y="1290955"/>
+            <a:off x="6018530" y="1096010"/>
             <a:ext cx="142875" cy="403225"/>
           </a:xfrm>
           <a:prstGeom prst="line">
@@ -6197,7 +6231,7 @@
         </p:nvCxnSpPr>
         <p:spPr>
           <a:xfrm flipV="1">
-            <a:off x="6579870" y="1290955"/>
+            <a:off x="6579870" y="1096010"/>
             <a:ext cx="75565" cy="1070610"/>
           </a:xfrm>
           <a:prstGeom prst="line">
@@ -6237,7 +6271,7 @@
         </p:nvSpPr>
         <p:spPr>
           <a:xfrm>
-            <a:off x="4495800" y="1686560"/>
+            <a:off x="4495800" y="1491615"/>
             <a:ext cx="1840230" cy="290195"/>
           </a:xfrm>
           <a:prstGeom prst="rect">
@@ -6323,6 +6357,58 @@
             <a:endParaRPr lang="zh-CN" altLang="en-US" sz="1000">
               <a:solidFill>
                 <a:srgbClr val="0070C0"/>
+              </a:solidFill>
+              <a:latin typeface="Courier New" panose="02070309020205020404" charset="0"/>
+              <a:cs typeface="Courier New" panose="02070309020205020404" charset="0"/>
+              <a:sym typeface="+mn-ea"/>
+            </a:endParaRPr>
+          </a:p>
+        </p:txBody>
+      </p:sp>
+      <p:sp>
+        <p:nvSpPr>
+          <p:cNvPr id="12" name="文本框 11"/>
+          <p:cNvSpPr txBox="1"/>
+          <p:nvPr/>
+        </p:nvSpPr>
+        <p:spPr>
+          <a:xfrm>
+            <a:off x="6765290" y="1238885"/>
+            <a:ext cx="487680" cy="275590"/>
+          </a:xfrm>
+          <a:prstGeom prst="rect">
+            <a:avLst/>
+          </a:prstGeom>
+          <a:noFill/>
+        </p:spPr>
+        <p:txBody>
+          <a:bodyPr wrap="square" rtlCol="0" anchor="t">
+            <a:noAutofit/>
+          </a:bodyPr>
+          <a:p>
+            <a:pPr indent="0" fontAlgn="auto">
+              <a:lnSpc>
+                <a:spcPts val="1840"/>
+              </a:lnSpc>
+            </a:pPr>
+            <a:r>
+              <a:rPr lang="en-US" altLang="en-GB" sz="1200" b="1">
+                <a:solidFill>
+                  <a:schemeClr val="bg1">
+                    <a:lumMod val="85000"/>
+                  </a:schemeClr>
+                </a:solidFill>
+                <a:latin typeface="Courier New" panose="02070309020205020404" charset="0"/>
+                <a:cs typeface="Courier New" panose="02070309020205020404" charset="0"/>
+                <a:sym typeface="+mn-ea"/>
+              </a:rPr>
+              <a:t>BOX</a:t>
+            </a:r>
+            <a:endParaRPr lang="en-US" altLang="en-GB" sz="1200" b="1">
+              <a:solidFill>
+                <a:schemeClr val="bg1">
+                  <a:lumMod val="85000"/>
+                </a:schemeClr>
               </a:solidFill>
               <a:latin typeface="Courier New" panose="02070309020205020404" charset="0"/>
               <a:cs typeface="Courier New" panose="02070309020205020404" charset="0"/>

--- a/Reference_Implementation/Documents/Plan_2025.pptx
+++ b/Reference_Implementation/Documents/Plan_2025.pptx
@@ -9,11 +9,12 @@
   </p:notesMasterIdLst>
   <p:sldIdLst>
     <p:sldId id="324" r:id="rId3"/>
+    <p:sldId id="325" r:id="rId5"/>
   </p:sldIdLst>
   <p:sldSz cx="12192000" cy="6858000"/>
   <p:notesSz cx="6858000" cy="9144000"/>
   <p:custDataLst>
-    <p:tags r:id="rId8"/>
+    <p:tags r:id="rId9"/>
   </p:custDataLst>
   <p:defaultTextStyle>
     <a:defPPr>
@@ -113,12 +114,12 @@
   <p:extLst>
     <p:ext uri="{EFAFB233-063F-42B5-8137-9DF3F51BA10A}">
       <p15:sldGuideLst xmlns:p15="http://schemas.microsoft.com/office/powerpoint/2012/main">
-        <p15:guide id="1" orient="horz" pos="2344" userDrawn="1">
+        <p15:guide id="1" orient="horz" pos="2328" userDrawn="1">
           <p15:clr>
             <a:srgbClr val="A4A3A4"/>
           </p15:clr>
         </p15:guide>
-        <p15:guide id="2" pos="3881" userDrawn="1">
+        <p15:guide id="2" pos="3929" userDrawn="1">
           <p15:clr>
             <a:srgbClr val="A4A3A4"/>
           </p15:clr>
@@ -514,9 +515,86 @@
           <a:p>
             <a:r>
               <a:rPr lang="en-US" altLang="zh-CN"/>
-              <a:t>HomeGrid_Standardization_Initiative, 2024-08-28</a:t>
+              <a:t> 2025-11-21</a:t>
             </a:r>
             <a:endParaRPr lang="en-US" altLang="zh-CN"/>
+          </a:p>
+          <a:p>
+            <a:endParaRPr lang="en-US" altLang="zh-CN"/>
+          </a:p>
+          <a:p>
+            <a:r>
+              <a:rPr lang="en-US" altLang="zh-CN">
+                <a:sym typeface="+mn-ea"/>
+              </a:rPr>
+              <a:t>Refer to</a:t>
+            </a:r>
+            <a:r>
+              <a:rPr lang="zh-CN" altLang="en-US">
+                <a:sym typeface="+mn-ea"/>
+              </a:rPr>
+              <a:t>：</a:t>
+            </a:r>
+            <a:r>
+              <a:rPr lang="en-US" altLang="zh-CN">
+                <a:sym typeface="+mn-ea"/>
+              </a:rPr>
+              <a:t>EcoFlow Smart Home Panel 2</a:t>
+            </a:r>
+            <a:endParaRPr lang="en-US" altLang="zh-CN">
+              <a:sym typeface="+mn-ea"/>
+            </a:endParaRPr>
+          </a:p>
+          <a:p>
+            <a:endParaRPr lang="en-US" altLang="zh-CN"/>
+          </a:p>
+        </p:txBody>
+      </p:sp>
+    </p:spTree>
+  </p:cSld>
+  <p:clrMapOvr>
+    <a:masterClrMapping/>
+  </p:clrMapOvr>
+</p:notes>
+</file>
+
+<file path=ppt/notesSlides/notesSlide2.xml><?xml version="1.0" encoding="utf-8"?>
+<p:notes xmlns:a="http://schemas.openxmlformats.org/drawingml/2006/main" xmlns:r="http://schemas.openxmlformats.org/officeDocument/2006/relationships" xmlns:p="http://schemas.openxmlformats.org/presentationml/2006/main">
+  <p:cSld>
+    <p:spTree>
+      <p:nvGrpSpPr>
+        <p:cNvPr id="1" name=""/>
+        <p:cNvGrpSpPr/>
+        <p:nvPr/>
+      </p:nvGrpSpPr>
+      <p:grpSpPr/>
+      <p:sp>
+        <p:nvSpPr>
+          <p:cNvPr id="2" name="幻灯片图像占位符 1"/>
+          <p:cNvSpPr>
+            <a:spLocks noGrp="1"/>
+          </p:cNvSpPr>
+          <p:nvPr>
+            <p:ph type="sldImg" idx="2"/>
+          </p:nvPr>
+        </p:nvSpPr>
+        <p:spPr/>
+      </p:sp>
+      <p:sp>
+        <p:nvSpPr>
+          <p:cNvPr id="3" name="文本占位符 2"/>
+          <p:cNvSpPr>
+            <a:spLocks noGrp="1"/>
+          </p:cNvSpPr>
+          <p:nvPr>
+            <p:ph type="body" idx="3"/>
+          </p:nvPr>
+        </p:nvSpPr>
+        <p:spPr/>
+        <p:txBody>
+          <a:bodyPr/>
+          <a:p>
+            <a:endParaRPr lang="zh-CN" altLang="en-US"/>
           </a:p>
         </p:txBody>
       </p:sp>
@@ -3496,7 +3574,7 @@
         </p:nvSpPr>
         <p:spPr>
           <a:xfrm>
-            <a:off x="4123690" y="1198880"/>
+            <a:off x="3719195" y="1713865"/>
             <a:ext cx="3312160" cy="1741805"/>
           </a:xfrm>
           <a:prstGeom prst="roundRect">
@@ -3561,7 +3639,7 @@
         </p:nvSpPr>
         <p:spPr>
           <a:xfrm>
-            <a:off x="2443480" y="3738880"/>
+            <a:off x="2350135" y="4253230"/>
             <a:ext cx="1183640" cy="1313180"/>
           </a:xfrm>
           <a:prstGeom prst="roundRect">
@@ -3622,7 +3700,7 @@
         </p:nvSpPr>
         <p:spPr>
           <a:xfrm>
-            <a:off x="2252980" y="3861435"/>
+            <a:off x="2159635" y="4375785"/>
             <a:ext cx="1183640" cy="1313180"/>
           </a:xfrm>
           <a:prstGeom prst="roundRect">
@@ -3683,7 +3761,7 @@
         </p:nvSpPr>
         <p:spPr>
           <a:xfrm>
-            <a:off x="4431665" y="1514475"/>
+            <a:off x="4027170" y="2029460"/>
             <a:ext cx="1785620" cy="1050925"/>
           </a:xfrm>
           <a:prstGeom prst="roundRect">
@@ -3742,7 +3820,7 @@
         </p:nvSpPr>
         <p:spPr>
           <a:xfrm>
-            <a:off x="2443480" y="4348480"/>
+            <a:off x="2350135" y="4862830"/>
             <a:ext cx="802640" cy="648970"/>
           </a:xfrm>
           <a:prstGeom prst="roundRect">
@@ -3837,7 +3915,7 @@
         </p:nvSpPr>
         <p:spPr>
           <a:xfrm>
-            <a:off x="2347595" y="2087880"/>
+            <a:off x="2254250" y="2602230"/>
             <a:ext cx="1033145" cy="459740"/>
           </a:xfrm>
           <a:prstGeom prst="roundRect">
@@ -3948,7 +4026,7 @@
         </p:blipFill>
         <p:spPr>
           <a:xfrm>
-            <a:off x="8205470" y="1320800"/>
+            <a:off x="8112125" y="1835150"/>
             <a:ext cx="805815" cy="767080"/>
           </a:xfrm>
           <a:prstGeom prst="rect">
@@ -3972,7 +4050,7 @@
         </p:nvCxnSpPr>
         <p:spPr>
           <a:xfrm flipV="1">
-            <a:off x="8594090" y="2087880"/>
+            <a:off x="8500745" y="2602230"/>
             <a:ext cx="0" cy="1155700"/>
           </a:xfrm>
           <a:prstGeom prst="straightConnector1">
@@ -4024,7 +4102,7 @@
         </p:blipFill>
         <p:spPr>
           <a:xfrm>
-            <a:off x="2576830" y="4521200"/>
+            <a:off x="2483485" y="5035550"/>
             <a:ext cx="535940" cy="434975"/>
           </a:xfrm>
           <a:prstGeom prst="rect">
@@ -4058,7 +4136,7 @@
         </p:blipFill>
         <p:spPr>
           <a:xfrm>
-            <a:off x="8519160" y="4514215"/>
+            <a:off x="8425815" y="5028565"/>
             <a:ext cx="419735" cy="487045"/>
           </a:xfrm>
           <a:prstGeom prst="rect">
@@ -4078,7 +4156,7 @@
         </p:nvCxnSpPr>
         <p:spPr>
           <a:xfrm flipV="1">
-            <a:off x="2287905" y="3285490"/>
+            <a:off x="2194560" y="3799840"/>
             <a:ext cx="6474460" cy="0"/>
           </a:xfrm>
           <a:prstGeom prst="line">
@@ -4119,7 +4197,7 @@
         </p:nvSpPr>
         <p:spPr>
           <a:xfrm>
-            <a:off x="2443163" y="3990975"/>
+            <a:off x="2349818" y="4505325"/>
             <a:ext cx="803275" cy="247650"/>
           </a:xfrm>
           <a:prstGeom prst="roundRect">
@@ -4199,7 +4277,7 @@
         </p:blipFill>
         <p:spPr>
           <a:xfrm>
-            <a:off x="7435215" y="4298950"/>
+            <a:off x="7341870" y="4813300"/>
             <a:ext cx="501015" cy="823595"/>
           </a:xfrm>
           <a:prstGeom prst="rect">
@@ -4228,7 +4306,7 @@
         </p:blipFill>
         <p:spPr>
           <a:xfrm>
-            <a:off x="6360160" y="4429760"/>
+            <a:off x="6266815" y="4944110"/>
             <a:ext cx="764540" cy="581025"/>
           </a:xfrm>
           <a:prstGeom prst="rect">
@@ -4255,7 +4333,7 @@
         </p:blipFill>
         <p:spPr>
           <a:xfrm>
-            <a:off x="4602480" y="1808480"/>
+            <a:off x="4197985" y="2323465"/>
             <a:ext cx="284480" cy="258445"/>
           </a:xfrm>
           <a:prstGeom prst="rect">
@@ -4283,7 +4361,7 @@
         </p:blipFill>
         <p:spPr>
           <a:xfrm>
-            <a:off x="5226050" y="2129790"/>
+            <a:off x="4821555" y="2644775"/>
             <a:ext cx="401320" cy="344805"/>
           </a:xfrm>
           <a:prstGeom prst="rect">
@@ -4307,7 +4385,7 @@
         </p:nvCxnSpPr>
         <p:spPr>
           <a:xfrm flipV="1">
-            <a:off x="2834323" y="3343910"/>
+            <a:off x="2740978" y="3858260"/>
             <a:ext cx="0" cy="478155"/>
           </a:xfrm>
           <a:prstGeom prst="straightConnector1">
@@ -4350,7 +4428,7 @@
         </p:nvCxnSpPr>
         <p:spPr>
           <a:xfrm flipV="1">
-            <a:off x="2834323" y="2644140"/>
+            <a:off x="2740978" y="3158490"/>
             <a:ext cx="0" cy="577215"/>
           </a:xfrm>
           <a:prstGeom prst="straightConnector1">
@@ -4395,7 +4473,7 @@
         </p:nvCxnSpPr>
         <p:spPr>
           <a:xfrm flipV="1">
-            <a:off x="6742430" y="3364230"/>
+            <a:off x="6649085" y="3878580"/>
             <a:ext cx="0" cy="1065530"/>
           </a:xfrm>
           <a:prstGeom prst="straightConnector1">
@@ -4438,7 +4516,7 @@
         </p:nvCxnSpPr>
         <p:spPr>
           <a:xfrm flipV="1">
-            <a:off x="8663305" y="3353435"/>
+            <a:off x="8569960" y="3867785"/>
             <a:ext cx="0" cy="995045"/>
           </a:xfrm>
           <a:prstGeom prst="straightConnector1">
@@ -4478,7 +4556,7 @@
         </p:nvGrpSpPr>
         <p:grpSpPr>
           <a:xfrm>
-            <a:off x="4601845" y="2175510"/>
+            <a:off x="4197350" y="2690495"/>
             <a:ext cx="447675" cy="234315"/>
             <a:chOff x="7397" y="3536"/>
             <a:chExt cx="1395" cy="723"/>
@@ -4553,7 +4631,7 @@
         </p:nvCxnSpPr>
         <p:spPr>
           <a:xfrm flipV="1">
-            <a:off x="7685723" y="3364230"/>
+            <a:off x="7592378" y="3878580"/>
             <a:ext cx="0" cy="934720"/>
           </a:xfrm>
           <a:prstGeom prst="straightConnector1">
@@ -4596,7 +4674,7 @@
         </p:nvSpPr>
         <p:spPr>
           <a:xfrm>
-            <a:off x="4888230" y="1831975"/>
+            <a:off x="4483735" y="2346960"/>
             <a:ext cx="1153795" cy="269240"/>
           </a:xfrm>
           <a:prstGeom prst="rect">
@@ -4650,7 +4728,7 @@
         </p:nvSpPr>
         <p:spPr>
           <a:xfrm>
-            <a:off x="4318000" y="2630805"/>
+            <a:off x="3913505" y="3145790"/>
             <a:ext cx="2018030" cy="245110"/>
           </a:xfrm>
           <a:prstGeom prst="rect">
@@ -4772,7 +4850,7 @@
         </p:blipFill>
         <p:spPr>
           <a:xfrm>
-            <a:off x="6602730" y="3600450"/>
+            <a:off x="6509385" y="4114800"/>
             <a:ext cx="271780" cy="216535"/>
           </a:xfrm>
           <a:prstGeom prst="rect">
@@ -4816,7 +4894,7 @@
         </p:blipFill>
         <p:spPr>
           <a:xfrm>
-            <a:off x="7549515" y="3600450"/>
+            <a:off x="7456170" y="4114800"/>
             <a:ext cx="271780" cy="216535"/>
           </a:xfrm>
           <a:prstGeom prst="rect">
@@ -4851,7 +4929,7 @@
         </p:blipFill>
         <p:spPr>
           <a:xfrm rot="5400000">
-            <a:off x="8386445" y="2490470"/>
+            <a:off x="8293100" y="3004820"/>
             <a:ext cx="416560" cy="334645"/>
           </a:xfrm>
           <a:prstGeom prst="rect">
@@ -4877,7 +4955,7 @@
         </p:blipFill>
         <p:spPr>
           <a:xfrm rot="5400000">
-            <a:off x="6555740" y="2171065"/>
+            <a:off x="6151245" y="2686050"/>
             <a:ext cx="594995" cy="647700"/>
           </a:xfrm>
           <a:prstGeom prst="rect">
@@ -4901,7 +4979,7 @@
         </p:nvCxnSpPr>
         <p:spPr>
           <a:xfrm flipH="1">
-            <a:off x="6907530" y="2820670"/>
+            <a:off x="6503035" y="3335655"/>
             <a:ext cx="271145" cy="430530"/>
           </a:xfrm>
           <a:prstGeom prst="line">
@@ -4944,7 +5022,7 @@
         </p:nvCxnSpPr>
         <p:spPr>
           <a:xfrm flipH="1" flipV="1">
-            <a:off x="6534150" y="2830195"/>
+            <a:off x="6129655" y="3345180"/>
             <a:ext cx="271145" cy="415290"/>
           </a:xfrm>
           <a:prstGeom prst="line">
@@ -4994,7 +5072,7 @@
         </p:blipFill>
         <p:spPr>
           <a:xfrm>
-            <a:off x="2324100" y="1469390"/>
+            <a:off x="2230755" y="1983740"/>
             <a:ext cx="246380" cy="436880"/>
           </a:xfrm>
           <a:prstGeom prst="rect">
@@ -5025,7 +5103,7 @@
         </p:blipFill>
         <p:spPr>
           <a:xfrm>
-            <a:off x="2613025" y="1469390"/>
+            <a:off x="2519680" y="1983740"/>
             <a:ext cx="246380" cy="436880"/>
           </a:xfrm>
           <a:prstGeom prst="rect">
@@ -5056,7 +5134,7 @@
         </p:blipFill>
         <p:spPr>
           <a:xfrm>
-            <a:off x="2901950" y="1469390"/>
+            <a:off x="2808605" y="1983740"/>
             <a:ext cx="246380" cy="436880"/>
           </a:xfrm>
           <a:prstGeom prst="rect">
@@ -5087,7 +5165,7 @@
         </p:blipFill>
         <p:spPr>
           <a:xfrm>
-            <a:off x="3190875" y="1469390"/>
+            <a:off x="3097530" y="1983740"/>
             <a:ext cx="246380" cy="436880"/>
           </a:xfrm>
           <a:prstGeom prst="rect">
@@ -5103,7 +5181,7 @@
         </p:nvSpPr>
         <p:spPr>
           <a:xfrm>
-            <a:off x="4602480" y="1199515"/>
+            <a:off x="4197985" y="1714500"/>
             <a:ext cx="1200785" cy="275590"/>
           </a:xfrm>
           <a:prstGeom prst="rect">
@@ -5163,7 +5241,7 @@
         </p:blipFill>
         <p:spPr>
           <a:xfrm>
-            <a:off x="3757930" y="3822065"/>
+            <a:off x="3633470" y="4336415"/>
             <a:ext cx="276225" cy="266700"/>
           </a:xfrm>
           <a:prstGeom prst="rect">
@@ -5184,7 +5262,7 @@
         </p:blipFill>
         <p:spPr>
           <a:xfrm>
-            <a:off x="5745480" y="2215515"/>
+            <a:off x="5340985" y="2730500"/>
             <a:ext cx="296545" cy="170180"/>
           </a:xfrm>
           <a:prstGeom prst="rect">
@@ -5209,7 +5287,7 @@
         </p:blipFill>
         <p:spPr>
           <a:xfrm>
-            <a:off x="6655435" y="2486025"/>
+            <a:off x="6250940" y="3001010"/>
             <a:ext cx="408051" cy="61341"/>
           </a:xfrm>
           <a:prstGeom prst="rect">
@@ -5233,7 +5311,7 @@
         </p:blipFill>
         <p:spPr>
           <a:xfrm>
-            <a:off x="8831580" y="5015230"/>
+            <a:off x="8738235" y="5529580"/>
             <a:ext cx="1012825" cy="950595"/>
           </a:xfrm>
           <a:prstGeom prst="rect">
@@ -5257,7 +5335,7 @@
         </p:blipFill>
         <p:spPr>
           <a:xfrm>
-            <a:off x="4763135" y="5349875"/>
+            <a:off x="4669790" y="5864225"/>
             <a:ext cx="951865" cy="379730"/>
           </a:xfrm>
           <a:prstGeom prst="rect">
@@ -5277,7 +5355,7 @@
         </p:nvSpPr>
         <p:spPr>
           <a:xfrm>
-            <a:off x="4659630" y="3861435"/>
+            <a:off x="4566285" y="4375785"/>
             <a:ext cx="1143635" cy="1313180"/>
           </a:xfrm>
           <a:prstGeom prst="roundRect">
@@ -5341,7 +5419,7 @@
         </p:nvSpPr>
         <p:spPr>
           <a:xfrm>
-            <a:off x="4830128" y="4509770"/>
+            <a:off x="4736783" y="5024120"/>
             <a:ext cx="802640" cy="542290"/>
           </a:xfrm>
           <a:prstGeom prst="roundRect">
@@ -5421,7 +5499,7 @@
         </p:blipFill>
         <p:spPr>
           <a:xfrm>
-            <a:off x="4963478" y="4575810"/>
+            <a:off x="4870133" y="5090160"/>
             <a:ext cx="535940" cy="434975"/>
           </a:xfrm>
           <a:prstGeom prst="rect">
@@ -5445,7 +5523,7 @@
         </p:nvCxnSpPr>
         <p:spPr>
           <a:xfrm flipV="1">
-            <a:off x="5240973" y="3343910"/>
+            <a:off x="5147628" y="3858260"/>
             <a:ext cx="0" cy="478155"/>
           </a:xfrm>
           <a:prstGeom prst="straightConnector1">
@@ -5492,7 +5570,7 @@
         </p:blipFill>
         <p:spPr>
           <a:xfrm>
-            <a:off x="4777423" y="3958590"/>
+            <a:off x="4684078" y="4472940"/>
             <a:ext cx="908050" cy="474345"/>
           </a:xfrm>
           <a:prstGeom prst="rect">
@@ -5517,7 +5595,7 @@
         </p:blipFill>
         <p:spPr>
           <a:xfrm>
-            <a:off x="2411730" y="5389245"/>
+            <a:off x="2318385" y="5903595"/>
             <a:ext cx="860425" cy="309880"/>
           </a:xfrm>
           <a:prstGeom prst="rect">
@@ -5533,7 +5611,7 @@
         </p:nvSpPr>
         <p:spPr>
           <a:xfrm>
-            <a:off x="6848475" y="1660525"/>
+            <a:off x="6443980" y="2175510"/>
             <a:ext cx="276225" cy="267335"/>
           </a:xfrm>
           <a:prstGeom prst="ellipse">
@@ -5600,7 +5678,7 @@
         </p:nvSpPr>
         <p:spPr>
           <a:xfrm>
-            <a:off x="3726815" y="3439795"/>
+            <a:off x="3633470" y="3954145"/>
             <a:ext cx="276225" cy="267335"/>
           </a:xfrm>
           <a:prstGeom prst="ellipse">
@@ -5669,7 +5747,7 @@
         </p:nvSpPr>
         <p:spPr>
           <a:xfrm>
-            <a:off x="6253480" y="1274445"/>
+            <a:off x="5848985" y="1789430"/>
             <a:ext cx="276225" cy="267335"/>
           </a:xfrm>
           <a:prstGeom prst="ellipse">
@@ -5736,7 +5814,7 @@
         </p:nvSpPr>
         <p:spPr>
           <a:xfrm>
-            <a:off x="5409565" y="3439795"/>
+            <a:off x="5316220" y="3954145"/>
             <a:ext cx="276225" cy="267335"/>
           </a:xfrm>
           <a:prstGeom prst="ellipse">
@@ -5785,7 +5863,7 @@
                 <a:latin typeface="Courier New" panose="02070309020205020404" charset="0"/>
                 <a:cs typeface="Courier New" panose="02070309020205020404" charset="0"/>
               </a:rPr>
-              <a:t>5</a:t>
+              <a:t>6</a:t>
             </a:r>
             <a:endParaRPr lang="en-US" altLang="zh-CN" sz="1600" b="1">
               <a:solidFill>
@@ -5807,7 +5885,7 @@
         </p:nvSpPr>
         <p:spPr>
           <a:xfrm>
-            <a:off x="9130665" y="1631315"/>
+            <a:off x="9037320" y="2145665"/>
             <a:ext cx="276225" cy="267335"/>
           </a:xfrm>
           <a:prstGeom prst="ellipse">
@@ -5874,7 +5952,7 @@
         </p:nvSpPr>
         <p:spPr>
           <a:xfrm>
-            <a:off x="8936355" y="1992630"/>
+            <a:off x="8843010" y="2506980"/>
             <a:ext cx="1025525" cy="645160"/>
           </a:xfrm>
           <a:prstGeom prst="rect">
@@ -6014,7 +6092,7 @@
         </p:nvCxnSpPr>
         <p:spPr>
           <a:xfrm flipH="1" flipV="1">
-            <a:off x="3112453" y="3334385"/>
+            <a:off x="3019108" y="3848735"/>
             <a:ext cx="635" cy="387985"/>
           </a:xfrm>
           <a:prstGeom prst="straightConnector1">
@@ -6053,7 +6131,7 @@
         </p:nvSpPr>
         <p:spPr>
           <a:xfrm>
-            <a:off x="6602730" y="1930400"/>
+            <a:off x="6198235" y="2445385"/>
             <a:ext cx="650240" cy="275590"/>
           </a:xfrm>
           <a:prstGeom prst="rect">
@@ -6096,7 +6174,7 @@
         </p:nvSpPr>
         <p:spPr>
           <a:xfrm>
-            <a:off x="4318000" y="819150"/>
+            <a:off x="3913505" y="1334135"/>
             <a:ext cx="2976245" cy="306705"/>
           </a:xfrm>
           <a:prstGeom prst="rect">
@@ -6187,7 +6265,7 @@
         </p:nvCxnSpPr>
         <p:spPr>
           <a:xfrm flipV="1">
-            <a:off x="6018530" y="1096010"/>
+            <a:off x="5614035" y="1610995"/>
             <a:ext cx="142875" cy="403225"/>
           </a:xfrm>
           <a:prstGeom prst="line">
@@ -6231,7 +6309,7 @@
         </p:nvCxnSpPr>
         <p:spPr>
           <a:xfrm flipV="1">
-            <a:off x="6579870" y="1096010"/>
+            <a:off x="6175375" y="1610995"/>
             <a:ext cx="75565" cy="1070610"/>
           </a:xfrm>
           <a:prstGeom prst="line">
@@ -6271,7 +6349,7 @@
         </p:nvSpPr>
         <p:spPr>
           <a:xfrm>
-            <a:off x="4495800" y="1491615"/>
+            <a:off x="4091305" y="2006600"/>
             <a:ext cx="1840230" cy="290195"/>
           </a:xfrm>
           <a:prstGeom prst="rect">
@@ -6319,7 +6397,7 @@
         </p:nvSpPr>
         <p:spPr>
           <a:xfrm rot="16200000">
-            <a:off x="3515360" y="4298950"/>
+            <a:off x="3390900" y="4813300"/>
             <a:ext cx="729615" cy="245110"/>
           </a:xfrm>
           <a:prstGeom prst="rect">
@@ -6373,7 +6451,7 @@
         </p:nvSpPr>
         <p:spPr>
           <a:xfrm>
-            <a:off x="6765290" y="1238885"/>
+            <a:off x="6360795" y="1753870"/>
             <a:ext cx="487680" cy="275590"/>
           </a:xfrm>
           <a:prstGeom prst="rect">
@@ -6417,9 +6495,381 @@
           </a:p>
         </p:txBody>
       </p:sp>
+      <p:pic>
+        <p:nvPicPr>
+          <p:cNvPr id="34" name="图片 33"/>
+          <p:cNvPicPr>
+            <a:picLocks noChangeAspect="1"/>
+          </p:cNvPicPr>
+          <p:nvPr/>
+        </p:nvPicPr>
+        <p:blipFill>
+          <a:blip r:embed="rId52"/>
+          <a:stretch>
+            <a:fillRect/>
+          </a:stretch>
+        </p:blipFill>
+        <p:spPr>
+          <a:xfrm>
+            <a:off x="3216275" y="3836035"/>
+            <a:ext cx="317500" cy="400685"/>
+          </a:xfrm>
+          <a:prstGeom prst="rect">
+            <a:avLst/>
+          </a:prstGeom>
+        </p:spPr>
+      </p:pic>
+      <p:pic>
+        <p:nvPicPr>
+          <p:cNvPr id="9" name="图片 8"/>
+          <p:cNvPicPr>
+            <a:picLocks noChangeAspect="1"/>
+          </p:cNvPicPr>
+          <p:nvPr/>
+        </p:nvPicPr>
+        <p:blipFill>
+          <a:blip r:embed="rId53"/>
+          <a:stretch>
+            <a:fillRect/>
+          </a:stretch>
+        </p:blipFill>
+        <p:spPr>
+          <a:xfrm>
+            <a:off x="7082790" y="1641475"/>
+            <a:ext cx="645160" cy="1322705"/>
+          </a:xfrm>
+          <a:prstGeom prst="rect">
+            <a:avLst/>
+          </a:prstGeom>
+        </p:spPr>
+      </p:pic>
+      <p:pic>
+        <p:nvPicPr>
+          <p:cNvPr id="42" name="图片 41"/>
+          <p:cNvPicPr>
+            <a:picLocks noChangeAspect="1"/>
+          </p:cNvPicPr>
+          <p:nvPr/>
+        </p:nvPicPr>
+        <p:blipFill>
+          <a:blip r:embed="rId54"/>
+          <a:stretch>
+            <a:fillRect/>
+          </a:stretch>
+        </p:blipFill>
+        <p:spPr>
+          <a:xfrm>
+            <a:off x="7310438" y="3061970"/>
+            <a:ext cx="189865" cy="347980"/>
+          </a:xfrm>
+          <a:prstGeom prst="rect">
+            <a:avLst/>
+          </a:prstGeom>
+        </p:spPr>
+      </p:pic>
+      <p:sp>
+        <p:nvSpPr>
+          <p:cNvPr id="31" name="文本框 30"/>
+          <p:cNvSpPr txBox="1"/>
+          <p:nvPr/>
+        </p:nvSpPr>
+        <p:spPr>
+          <a:xfrm>
+            <a:off x="7133590" y="1835150"/>
+            <a:ext cx="548640" cy="172085"/>
+          </a:xfrm>
+          <a:prstGeom prst="rect">
+            <a:avLst/>
+          </a:prstGeom>
+          <a:solidFill>
+            <a:srgbClr val="D5D5D5"/>
+          </a:solidFill>
+        </p:spPr>
+        <p:txBody>
+          <a:bodyPr wrap="square" rtlCol="0" anchor="t">
+            <a:noAutofit/>
+          </a:bodyPr>
+          <a:p>
+            <a:pPr algn="ctr"/>
+            <a:r>
+              <a:rPr lang="en-US" sz="600" b="1">
+                <a:solidFill>
+                  <a:srgbClr val="0070C0"/>
+                </a:solidFill>
+                <a:latin typeface="Courier New" panose="02070309020205020404" charset="0"/>
+                <a:cs typeface="Courier New" panose="02070309020205020404" charset="0"/>
+                <a:sym typeface="+mn-ea"/>
+              </a:rPr>
+              <a:t>eRouter</a:t>
+            </a:r>
+            <a:endParaRPr lang="en-US" sz="600" b="1">
+              <a:solidFill>
+                <a:srgbClr val="0070C0"/>
+              </a:solidFill>
+              <a:latin typeface="Courier New" panose="02070309020205020404" charset="0"/>
+              <a:cs typeface="Courier New" panose="02070309020205020404" charset="0"/>
+              <a:sym typeface="+mn-ea"/>
+            </a:endParaRPr>
+          </a:p>
+        </p:txBody>
+      </p:sp>
+      <p:sp>
+        <p:nvSpPr>
+          <p:cNvPr id="32" name="椭圆 31"/>
+          <p:cNvSpPr/>
+          <p:nvPr/>
+        </p:nvSpPr>
+        <p:spPr>
+          <a:xfrm>
+            <a:off x="6992620" y="1382395"/>
+            <a:ext cx="847090" cy="1777365"/>
+          </a:xfrm>
+          <a:prstGeom prst="ellipse">
+            <a:avLst/>
+          </a:prstGeom>
+          <a:noFill/>
+          <a:ln w="19050">
+            <a:solidFill>
+              <a:srgbClr val="C00000"/>
+            </a:solidFill>
+            <a:prstDash val="dash"/>
+          </a:ln>
+        </p:spPr>
+        <p:style>
+          <a:lnRef idx="2">
+            <a:schemeClr val="accent1">
+              <a:lumMod val="75000"/>
+            </a:schemeClr>
+          </a:lnRef>
+          <a:fillRef idx="1">
+            <a:schemeClr val="accent1"/>
+          </a:fillRef>
+          <a:effectRef idx="0">
+            <a:srgbClr val="FFFFFF"/>
+          </a:effectRef>
+          <a:fontRef idx="minor">
+            <a:schemeClr val="lt1"/>
+          </a:fontRef>
+        </p:style>
+        <p:txBody>
+          <a:bodyPr rtlCol="0" anchor="ctr"/>
+          <a:p>
+            <a:pPr algn="ctr"/>
+            <a:endParaRPr lang="zh-CN" altLang="en-US"/>
+          </a:p>
+        </p:txBody>
+      </p:sp>
+      <p:sp>
+        <p:nvSpPr>
+          <p:cNvPr id="44" name="椭圆 43"/>
+          <p:cNvSpPr/>
+          <p:nvPr/>
+        </p:nvSpPr>
+        <p:spPr>
+          <a:xfrm>
+            <a:off x="3216275" y="3799840"/>
+            <a:ext cx="318135" cy="531495"/>
+          </a:xfrm>
+          <a:prstGeom prst="ellipse">
+            <a:avLst/>
+          </a:prstGeom>
+          <a:noFill/>
+          <a:ln w="12700">
+            <a:solidFill>
+              <a:srgbClr val="C00000"/>
+            </a:solidFill>
+            <a:prstDash val="sysDash"/>
+          </a:ln>
+        </p:spPr>
+        <p:style>
+          <a:lnRef idx="2">
+            <a:schemeClr val="accent1">
+              <a:lumMod val="75000"/>
+            </a:schemeClr>
+          </a:lnRef>
+          <a:fillRef idx="1">
+            <a:schemeClr val="accent1"/>
+          </a:fillRef>
+          <a:effectRef idx="0">
+            <a:srgbClr val="FFFFFF"/>
+          </a:effectRef>
+          <a:fontRef idx="minor">
+            <a:schemeClr val="lt1"/>
+          </a:fontRef>
+        </p:style>
+        <p:txBody>
+          <a:bodyPr rtlCol="0" anchor="ctr"/>
+          <a:p>
+            <a:pPr algn="ctr"/>
+            <a:endParaRPr lang="zh-CN" altLang="en-US"/>
+          </a:p>
+        </p:txBody>
+      </p:sp>
+      <p:pic>
+        <p:nvPicPr>
+          <p:cNvPr id="53" name="图片 52"/>
+          <p:cNvPicPr/>
+          <p:nvPr/>
+        </p:nvPicPr>
+        <p:blipFill>
+          <a:blip r:embed="rId55"/>
+          <a:srcRect t="12574" b="23796"/>
+          <a:stretch>
+            <a:fillRect/>
+          </a:stretch>
+        </p:blipFill>
+        <p:spPr>
+          <a:xfrm>
+            <a:off x="4027170" y="550545"/>
+            <a:ext cx="673735" cy="394970"/>
+          </a:xfrm>
+          <a:prstGeom prst="rect">
+            <a:avLst/>
+          </a:prstGeom>
+        </p:spPr>
+      </p:pic>
+      <p:sp>
+        <p:nvSpPr>
+          <p:cNvPr id="54" name="椭圆 53"/>
+          <p:cNvSpPr/>
+          <p:nvPr/>
+        </p:nvSpPr>
+        <p:spPr>
+          <a:xfrm>
+            <a:off x="4821555" y="715010"/>
+            <a:ext cx="231140" cy="230505"/>
+          </a:xfrm>
+          <a:prstGeom prst="ellipse">
+            <a:avLst/>
+          </a:prstGeom>
+          <a:noFill/>
+          <a:ln w="3175">
+            <a:solidFill>
+              <a:schemeClr val="bg1">
+                <a:lumMod val="85000"/>
+              </a:schemeClr>
+            </a:solidFill>
+          </a:ln>
+        </p:spPr>
+        <p:style>
+          <a:lnRef idx="2">
+            <a:schemeClr val="accent1">
+              <a:lumMod val="75000"/>
+            </a:schemeClr>
+          </a:lnRef>
+          <a:fillRef idx="1">
+            <a:schemeClr val="accent1"/>
+          </a:fillRef>
+          <a:effectRef idx="0">
+            <a:srgbClr val="FFFFFF"/>
+          </a:effectRef>
+          <a:fontRef idx="minor">
+            <a:schemeClr val="lt1"/>
+          </a:fontRef>
+        </p:style>
+        <p:txBody>
+          <a:bodyPr rtlCol="0" anchor="ctr"/>
+          <a:p>
+            <a:pPr indent="0" algn="ctr" fontAlgn="auto">
+              <a:lnSpc>
+                <a:spcPts val="1620"/>
+              </a:lnSpc>
+            </a:pPr>
+            <a:r>
+              <a:rPr lang="en-US" altLang="zh-CN" sz="1200" b="1">
+                <a:solidFill>
+                  <a:schemeClr val="bg1">
+                    <a:lumMod val="75000"/>
+                  </a:schemeClr>
+                </a:solidFill>
+                <a:latin typeface="Courier New" panose="02070309020205020404" charset="0"/>
+                <a:cs typeface="Courier New" panose="02070309020205020404" charset="0"/>
+              </a:rPr>
+              <a:t>5</a:t>
+            </a:r>
+            <a:endParaRPr lang="en-US" altLang="zh-CN" sz="1200" b="1">
+              <a:solidFill>
+                <a:schemeClr val="bg1">
+                  <a:lumMod val="75000"/>
+                </a:schemeClr>
+              </a:solidFill>
+              <a:latin typeface="Courier New" panose="02070309020205020404" charset="0"/>
+              <a:cs typeface="Courier New" panose="02070309020205020404" charset="0"/>
+            </a:endParaRPr>
+          </a:p>
+        </p:txBody>
+      </p:sp>
+      <p:sp>
+        <p:nvSpPr>
+          <p:cNvPr id="55" name="文本框 54"/>
+          <p:cNvSpPr txBox="1"/>
+          <p:nvPr/>
+        </p:nvSpPr>
+        <p:spPr>
+          <a:xfrm>
+            <a:off x="5052695" y="715645"/>
+            <a:ext cx="2414270" cy="229870"/>
+          </a:xfrm>
+          <a:prstGeom prst="rect">
+            <a:avLst/>
+          </a:prstGeom>
+          <a:noFill/>
+        </p:spPr>
+        <p:txBody>
+          <a:bodyPr wrap="square" rtlCol="0" anchor="t">
+            <a:spAutoFit/>
+          </a:bodyPr>
+          <a:p>
+            <a:r>
+              <a:rPr lang="en-US" altLang="zh-CN" sz="900">
+                <a:solidFill>
+                  <a:schemeClr val="bg1">
+                    <a:lumMod val="65000"/>
+                  </a:schemeClr>
+                </a:solidFill>
+                <a:latin typeface="Courier New" panose="02070309020205020404" charset="0"/>
+                <a:cs typeface="Courier New" panose="02070309020205020404" charset="0"/>
+                <a:sym typeface="+mn-ea"/>
+              </a:rPr>
+              <a:t>Cloud Maintenance Monitoring</a:t>
+            </a:r>
+            <a:endParaRPr lang="en-US" altLang="zh-CN" sz="900">
+              <a:solidFill>
+                <a:schemeClr val="bg1">
+                  <a:lumMod val="65000"/>
+                </a:schemeClr>
+              </a:solidFill>
+              <a:latin typeface="Courier New" panose="02070309020205020404" charset="0"/>
+              <a:cs typeface="Courier New" panose="02070309020205020404" charset="0"/>
+              <a:sym typeface="+mn-ea"/>
+            </a:endParaRPr>
+          </a:p>
+        </p:txBody>
+      </p:sp>
     </p:spTree>
     <p:custDataLst>
-      <p:tags r:id="rId52"/>
+      <p:tags r:id="rId56"/>
+    </p:custDataLst>
+  </p:cSld>
+  <p:clrMapOvr>
+    <a:masterClrMapping/>
+  </p:clrMapOvr>
+</p:sld>
+</file>
+
+<file path=ppt/slides/slide2.xml><?xml version="1.0" encoding="utf-8"?>
+<p:sld xmlns:a="http://schemas.openxmlformats.org/drawingml/2006/main" xmlns:r="http://schemas.openxmlformats.org/officeDocument/2006/relationships" xmlns:p="http://schemas.openxmlformats.org/presentationml/2006/main">
+  <p:cSld>
+    <p:spTree>
+      <p:nvGrpSpPr>
+        <p:cNvPr id="1" name=""/>
+        <p:cNvGrpSpPr/>
+        <p:nvPr/>
+      </p:nvGrpSpPr>
+      <p:grpSpPr/>
+    </p:spTree>
+    <p:custDataLst>
+      <p:tags r:id="rId1"/>
     </p:custDataLst>
   </p:cSld>
   <p:clrMapOvr>
@@ -7441,6 +7891,14 @@
 </file>
 
 <file path=ppt/tags/tag94.xml><?xml version="1.0" encoding="utf-8"?>
+<p:tagLst xmlns:p="http://schemas.openxmlformats.org/presentationml/2006/main">
+  <p:tag name="KSO_WM_BEAUTIFY_FLAG" val="#wm#"/>
+  <p:tag name="KSO_WM_TEMPLATE_CATEGORY" val="custom"/>
+  <p:tag name="KSO_WM_TEMPLATE_INDEX" val="20205081"/>
+</p:tagLst>
+</file>
+
+<file path=ppt/tags/tag95.xml><?xml version="1.0" encoding="utf-8"?>
 <p:tagLst xmlns:p="http://schemas.openxmlformats.org/presentationml/2006/main">
   <p:tag name="commondata" val="eyJoZGlkIjoiZmMwMDQ3NmU4NjU1OWFiNjEwNGQwZTA3YTg5MDBlN2UifQ=="/>
 </p:tagLst>
